--- a/images/diagrams-3000.pptx
+++ b/images/diagrams-3000.pptx
@@ -5,13 +5,12 @@
     <p:sldMasterId id="2147483648" r:id="rId1"/>
   </p:sldMasterIdLst>
   <p:notesMasterIdLst>
-    <p:notesMasterId r:id="rId6"/>
+    <p:notesMasterId r:id="rId5"/>
   </p:notesMasterIdLst>
   <p:sldIdLst>
     <p:sldId id="256" r:id="rId2"/>
     <p:sldId id="259" r:id="rId3"/>
-    <p:sldId id="258" r:id="rId4"/>
-    <p:sldId id="257" r:id="rId5"/>
+    <p:sldId id="260" r:id="rId4"/>
   </p:sldIdLst>
   <p:sldSz cx="12192000" cy="6858000"/>
   <p:notesSz cx="6858000" cy="9144000"/>
@@ -110,6 +109,11 @@
       </a:defRPr>
     </a:lvl9pPr>
   </p:defaultTextStyle>
+  <p:extLst>
+    <p:ext uri="{EFAFB233-063F-42B5-8137-9DF3F51BA10A}">
+      <p15:sldGuideLst xmlns:p15="http://schemas.microsoft.com/office/powerpoint/2012/main"/>
+    </p:ext>
+  </p:extLst>
 </p:presentation>
 </file>
 
@@ -5133,14 +5137,14 @@
             </a:r>
             <a:r>
               <a:rPr lang="ja-JP" altLang="en-US" sz="1600" dirty="0" smtClean="0"/>
-              <a:t>ストリーミングアプリケーションマネージャ</a:t>
+              <a:t>ストリーミングアナリティクスマネージャ</a:t>
             </a:r>
             <a:endParaRPr lang="en-US" altLang="ja-JP" sz="1600" dirty="0" smtClean="0"/>
           </a:p>
           <a:p>
             <a:r>
               <a:rPr lang="en-US" sz="1600" dirty="0" smtClean="0"/>
-              <a:t>SCHEMA REGISTRY: </a:t>
+              <a:t>Schema Registry: </a:t>
             </a:r>
             <a:r>
               <a:rPr lang="ja-JP" altLang="en-US" sz="1600" dirty="0" smtClean="0"/>
@@ -5184,6 +5188,13 @@
   <p:clrMapOvr>
     <a:masterClrMapping/>
   </p:clrMapOvr>
+  <p:timing>
+    <p:tnLst>
+      <p:par>
+        <p:cTn id="1" dur="indefinite" restart="never" nodeType="tmRoot"/>
+      </p:par>
+    </p:tnLst>
+  </p:timing>
 </p:sld>
 </file>
 
@@ -5206,21 +5217,21 @@
       </p:grpSpPr>
       <p:grpSp>
         <p:nvGrpSpPr>
-          <p:cNvPr id="40" name="Group 39"/>
+          <p:cNvPr id="6" name="Group 5"/>
           <p:cNvGrpSpPr/>
           <p:nvPr/>
         </p:nvGrpSpPr>
         <p:grpSpPr>
           <a:xfrm>
-            <a:off x="2407532" y="2222339"/>
-            <a:ext cx="1600871" cy="537469"/>
+            <a:off x="2071864" y="2672626"/>
+            <a:ext cx="1284791" cy="537469"/>
             <a:chOff x="2407532" y="2222339"/>
             <a:chExt cx="1600871" cy="537469"/>
           </a:xfrm>
         </p:grpSpPr>
         <p:sp>
           <p:nvSpPr>
-            <p:cNvPr id="4" name="Can 3"/>
+            <p:cNvPr id="7" name="Can 6"/>
             <p:cNvSpPr/>
             <p:nvPr/>
           </p:nvSpPr>
@@ -5260,7 +5271,7 @@
         </p:sp>
         <p:sp>
           <p:nvSpPr>
-            <p:cNvPr id="5" name="TextBox 4"/>
+            <p:cNvPr id="8" name="TextBox 7"/>
             <p:cNvSpPr txBox="1"/>
             <p:nvPr/>
           </p:nvSpPr>
@@ -5317,21 +5328,21 @@
       </p:grpSp>
       <p:grpSp>
         <p:nvGrpSpPr>
-          <p:cNvPr id="41" name="Group 40"/>
+          <p:cNvPr id="9" name="Group 8"/>
           <p:cNvGrpSpPr/>
           <p:nvPr/>
         </p:nvGrpSpPr>
         <p:grpSpPr>
           <a:xfrm>
-            <a:off x="2407532" y="3268789"/>
-            <a:ext cx="1600872" cy="510409"/>
+            <a:off x="2071863" y="3326659"/>
+            <a:ext cx="1284792" cy="510409"/>
             <a:chOff x="2407532" y="3268789"/>
             <a:chExt cx="1600872" cy="510409"/>
           </a:xfrm>
         </p:grpSpPr>
         <p:sp>
           <p:nvSpPr>
-            <p:cNvPr id="6" name="Can 5"/>
+            <p:cNvPr id="10" name="Can 9"/>
             <p:cNvSpPr/>
             <p:nvPr/>
           </p:nvSpPr>
@@ -5371,7 +5382,7 @@
         </p:sp>
         <p:sp>
           <p:nvSpPr>
-            <p:cNvPr id="7" name="TextBox 6"/>
+            <p:cNvPr id="11" name="TextBox 10"/>
             <p:cNvSpPr txBox="1"/>
             <p:nvPr/>
           </p:nvSpPr>
@@ -5449,21 +5460,21 @@
       </p:grpSp>
       <p:grpSp>
         <p:nvGrpSpPr>
-          <p:cNvPr id="42" name="Group 41"/>
+          <p:cNvPr id="12" name="Group 11"/>
           <p:cNvGrpSpPr/>
           <p:nvPr/>
         </p:nvGrpSpPr>
         <p:grpSpPr>
           <a:xfrm>
-            <a:off x="5503973" y="2638221"/>
-            <a:ext cx="1715966" cy="514004"/>
+            <a:off x="9199080" y="4841391"/>
+            <a:ext cx="1371389" cy="514004"/>
             <a:chOff x="5503973" y="2638221"/>
             <a:chExt cx="1715966" cy="514004"/>
           </a:xfrm>
         </p:grpSpPr>
         <p:sp>
           <p:nvSpPr>
-            <p:cNvPr id="8" name="Can 7"/>
+            <p:cNvPr id="13" name="Can 12"/>
             <p:cNvSpPr/>
             <p:nvPr/>
           </p:nvSpPr>
@@ -5503,7 +5514,7 @@
         </p:sp>
         <p:sp>
           <p:nvSpPr>
-            <p:cNvPr id="9" name="TextBox 8"/>
+            <p:cNvPr id="14" name="TextBox 13"/>
             <p:cNvSpPr txBox="1"/>
             <p:nvPr/>
           </p:nvSpPr>
@@ -5542,21 +5553,21 @@
       </p:grpSp>
       <p:grpSp>
         <p:nvGrpSpPr>
-          <p:cNvPr id="43" name="Group 42"/>
+          <p:cNvPr id="15" name="Group 14"/>
           <p:cNvGrpSpPr/>
           <p:nvPr/>
         </p:nvGrpSpPr>
         <p:grpSpPr>
           <a:xfrm>
-            <a:off x="5503972" y="3268789"/>
-            <a:ext cx="1715966" cy="510409"/>
+            <a:off x="9235351" y="5513269"/>
+            <a:ext cx="1371391" cy="510409"/>
             <a:chOff x="5503972" y="3268789"/>
             <a:chExt cx="1715966" cy="510409"/>
           </a:xfrm>
         </p:grpSpPr>
         <p:sp>
           <p:nvSpPr>
-            <p:cNvPr id="10" name="Can 9"/>
+            <p:cNvPr id="16" name="Can 15"/>
             <p:cNvSpPr/>
             <p:nvPr/>
           </p:nvSpPr>
@@ -5596,7 +5607,7 @@
         </p:sp>
         <p:sp>
           <p:nvSpPr>
-            <p:cNvPr id="11" name="TextBox 10"/>
+            <p:cNvPr id="17" name="TextBox 16"/>
             <p:cNvSpPr txBox="1"/>
             <p:nvPr/>
           </p:nvSpPr>
@@ -5664,123 +5675,9 @@
           </p:txBody>
         </p:sp>
       </p:grpSp>
-      <p:sp>
-        <p:nvSpPr>
-          <p:cNvPr id="12" name="TextBox 11"/>
-          <p:cNvSpPr txBox="1"/>
-          <p:nvPr/>
-        </p:nvSpPr>
-        <p:spPr>
-          <a:xfrm>
-            <a:off x="4008405" y="2212087"/>
-            <a:ext cx="904607" cy="461665"/>
-          </a:xfrm>
-          <a:prstGeom prst="rect">
-            <a:avLst/>
-          </a:prstGeom>
-          <a:noFill/>
-        </p:spPr>
-        <p:txBody>
-          <a:bodyPr wrap="none" rtlCol="0">
-            <a:spAutoFit/>
-          </a:bodyPr>
-          <a:lstStyle/>
-          <a:p>
-            <a:r>
-              <a:rPr lang="en-US" sz="1200" dirty="0" err="1" smtClean="0"/>
-              <a:t>GeoCode</a:t>
-            </a:r>
-            <a:endParaRPr lang="en-US" sz="1200" dirty="0" smtClean="0"/>
-          </a:p>
-          <a:p>
-            <a:r>
-              <a:rPr lang="en-US" sz="1200" dirty="0" smtClean="0"/>
-              <a:t>Enrichment</a:t>
-            </a:r>
-            <a:endParaRPr lang="en-US" sz="1200" dirty="0"/>
-          </a:p>
-        </p:txBody>
-      </p:sp>
-      <p:sp>
-        <p:nvSpPr>
-          <p:cNvPr id="13" name="Can 12"/>
-          <p:cNvSpPr/>
-          <p:nvPr/>
-        </p:nvSpPr>
-        <p:spPr>
-          <a:xfrm>
-            <a:off x="8356920" y="1572231"/>
-            <a:ext cx="625034" cy="306179"/>
-          </a:xfrm>
-          <a:prstGeom prst="can">
-            <a:avLst/>
-          </a:prstGeom>
-        </p:spPr>
-        <p:style>
-          <a:lnRef idx="2">
-            <a:schemeClr val="accent1">
-              <a:shade val="50000"/>
-            </a:schemeClr>
-          </a:lnRef>
-          <a:fillRef idx="1">
-            <a:schemeClr val="accent1"/>
-          </a:fillRef>
-          <a:effectRef idx="0">
-            <a:schemeClr val="accent1"/>
-          </a:effectRef>
-          <a:fontRef idx="minor">
-            <a:schemeClr val="lt1"/>
-          </a:fontRef>
-        </p:style>
-        <p:txBody>
-          <a:bodyPr rtlCol="0" anchor="ctr"/>
-          <a:lstStyle/>
-          <a:p>
-            <a:pPr algn="ctr"/>
-            <a:endParaRPr lang="en-US"/>
-          </a:p>
-        </p:txBody>
-      </p:sp>
-      <p:sp>
-        <p:nvSpPr>
-          <p:cNvPr id="15" name="TextBox 14"/>
-          <p:cNvSpPr txBox="1"/>
-          <p:nvPr/>
-        </p:nvSpPr>
-        <p:spPr>
-          <a:xfrm>
-            <a:off x="3403063" y="1321343"/>
-            <a:ext cx="958468" cy="461665"/>
-          </a:xfrm>
-          <a:prstGeom prst="rect">
-            <a:avLst/>
-          </a:prstGeom>
-          <a:noFill/>
-        </p:spPr>
-        <p:txBody>
-          <a:bodyPr wrap="none" rtlCol="0">
-            <a:spAutoFit/>
-          </a:bodyPr>
-          <a:lstStyle/>
-          <a:p>
-            <a:r>
-              <a:rPr lang="en-US" sz="1200" dirty="0" smtClean="0"/>
-              <a:t>Consume</a:t>
-            </a:r>
-            <a:br>
-              <a:rPr lang="en-US" sz="1200" dirty="0" smtClean="0"/>
-            </a:br>
-            <a:r>
-              <a:rPr lang="en-US" sz="1200" dirty="0" err="1" smtClean="0"/>
-              <a:t>KafkaRecord</a:t>
-            </a:r>
-            <a:endParaRPr lang="en-US" sz="1200" dirty="0"/>
-          </a:p>
-        </p:txBody>
-      </p:sp>
       <p:pic>
         <p:nvPicPr>
-          <p:cNvPr id="2" name="Picture 1"/>
+          <p:cNvPr id="18" name="Picture 17"/>
           <p:cNvPicPr>
             <a:picLocks noChangeAspect="1"/>
           </p:cNvPicPr>
@@ -5794,8 +5691,8 @@
         </p:blipFill>
         <p:spPr>
           <a:xfrm>
-            <a:off x="3667985" y="4171615"/>
-            <a:ext cx="4697112" cy="314493"/>
+            <a:off x="561303" y="4344275"/>
+            <a:ext cx="781062" cy="328046"/>
           </a:xfrm>
           <a:prstGeom prst="rect">
             <a:avLst/>
@@ -5804,7 +5701,7 @@
       </p:pic>
       <p:pic>
         <p:nvPicPr>
-          <p:cNvPr id="17" name="Picture 16"/>
+          <p:cNvPr id="20" name="Picture 19"/>
           <p:cNvPicPr>
             <a:picLocks noChangeAspect="1"/>
           </p:cNvPicPr>
@@ -5818,174 +5715,200 @@
         </p:blipFill>
         <p:spPr>
           <a:xfrm>
-            <a:off x="3734589" y="4767266"/>
-            <a:ext cx="5043478" cy="347600"/>
+            <a:off x="2230558" y="2003405"/>
+            <a:ext cx="1404516" cy="419194"/>
           </a:xfrm>
           <a:prstGeom prst="rect">
             <a:avLst/>
           </a:prstGeom>
         </p:spPr>
       </p:pic>
-      <p:sp>
-        <p:nvSpPr>
-          <p:cNvPr id="18" name="TextBox 17"/>
-          <p:cNvSpPr txBox="1"/>
+      <p:cxnSp>
+        <p:nvCxnSpPr>
+          <p:cNvPr id="22" name="Elbow Connector 21"/>
+          <p:cNvCxnSpPr>
+            <a:endCxn id="7" idx="3"/>
+          </p:cNvCxnSpPr>
           <p:nvPr/>
-        </p:nvSpPr>
-        <p:spPr>
-          <a:xfrm>
-            <a:off x="9277240" y="980441"/>
-            <a:ext cx="1212383" cy="830997"/>
-          </a:xfrm>
-          <a:prstGeom prst="rect">
+        </p:nvCxnSpPr>
+        <p:spPr>
+          <a:xfrm rot="16200000" flipH="1">
+            <a:off x="1280009" y="2149506"/>
+            <a:ext cx="695876" cy="887833"/>
+          </a:xfrm>
+          <a:prstGeom prst="bentConnector2">
             <a:avLst/>
           </a:prstGeom>
-          <a:noFill/>
-        </p:spPr>
-        <p:txBody>
-          <a:bodyPr wrap="none" rtlCol="0">
-            <a:spAutoFit/>
-          </a:bodyPr>
-          <a:lstStyle/>
-          <a:p>
-            <a:pPr fontAlgn="base"/>
-            <a:r>
-              <a:rPr lang="en-US" sz="1200" b="1" dirty="0" smtClean="0"/>
-              <a:t>Schema Header</a:t>
-            </a:r>
-            <a:br>
-              <a:rPr lang="en-US" sz="1200" b="1" dirty="0" smtClean="0"/>
-            </a:br>
-            <a:r>
-              <a:rPr lang="en-US" sz="1200" dirty="0" err="1" smtClean="0"/>
-              <a:t>protocol.version</a:t>
-            </a:r>
-            <a:r>
-              <a:rPr lang="en-US" sz="1200" dirty="0" smtClean="0"/>
-              <a:t/>
-            </a:r>
-            <a:br>
-              <a:rPr lang="en-US" sz="1200" dirty="0" smtClean="0"/>
-            </a:br>
-            <a:r>
-              <a:rPr lang="en-US" sz="1200" dirty="0" smtClean="0"/>
-              <a:t>identifier</a:t>
-            </a:r>
-          </a:p>
-          <a:p>
-            <a:pPr fontAlgn="base"/>
-            <a:r>
-              <a:rPr lang="en-US" sz="1200" dirty="0" smtClean="0"/>
-              <a:t>version</a:t>
-            </a:r>
-            <a:endParaRPr lang="en-US" sz="1200" dirty="0"/>
-          </a:p>
-        </p:txBody>
-      </p:sp>
-      <p:sp>
-        <p:nvSpPr>
-          <p:cNvPr id="19" name="Snip Single Corner Rectangle 18"/>
-          <p:cNvSpPr/>
+          <a:ln>
+            <a:tailEnd type="arrow" w="lg" len="lg"/>
+          </a:ln>
+        </p:spPr>
+        <p:style>
+          <a:lnRef idx="1">
+            <a:schemeClr val="accent1"/>
+          </a:lnRef>
+          <a:fillRef idx="0">
+            <a:schemeClr val="accent1"/>
+          </a:fillRef>
+          <a:effectRef idx="0">
+            <a:schemeClr val="accent1"/>
+          </a:effectRef>
+          <a:fontRef idx="minor">
+            <a:schemeClr val="tx1"/>
+          </a:fontRef>
+        </p:style>
+      </p:cxnSp>
+      <p:cxnSp>
+        <p:nvCxnSpPr>
+          <p:cNvPr id="23" name="Elbow Connector 22"/>
+          <p:cNvCxnSpPr>
+            <a:endCxn id="10" idx="3"/>
+          </p:cNvCxnSpPr>
           <p:nvPr/>
-        </p:nvSpPr>
-        <p:spPr>
-          <a:xfrm>
-            <a:off x="439837" y="2182241"/>
-            <a:ext cx="1261641" cy="577567"/>
-          </a:xfrm>
-          <a:prstGeom prst="snip1Rect">
+        </p:nvCxnSpPr>
+        <p:spPr>
+          <a:xfrm rot="16200000" flipH="1">
+            <a:off x="959757" y="2469759"/>
+            <a:ext cx="1336380" cy="887832"/>
+          </a:xfrm>
+          <a:prstGeom prst="bentConnector2">
             <a:avLst/>
           </a:prstGeom>
+          <a:ln>
+            <a:tailEnd type="arrow" w="lg" len="lg"/>
+          </a:ln>
         </p:spPr>
         <p:style>
-          <a:lnRef idx="2">
-            <a:schemeClr val="accent1">
-              <a:shade val="50000"/>
-            </a:schemeClr>
+          <a:lnRef idx="1">
+            <a:schemeClr val="accent1"/>
           </a:lnRef>
-          <a:fillRef idx="1">
+          <a:fillRef idx="0">
             <a:schemeClr val="accent1"/>
           </a:fillRef>
           <a:effectRef idx="0">
             <a:schemeClr val="accent1"/>
           </a:effectRef>
           <a:fontRef idx="minor">
-            <a:schemeClr val="lt1"/>
+            <a:schemeClr val="tx1"/>
           </a:fontRef>
         </p:style>
-        <p:txBody>
-          <a:bodyPr rtlCol="0" anchor="ctr"/>
-          <a:lstStyle/>
-          <a:p>
-            <a:pPr algn="ctr"/>
-            <a:r>
-              <a:rPr lang="en-US" sz="1200" dirty="0" smtClean="0"/>
-              <a:t>Schema Header</a:t>
-            </a:r>
-            <a:r>
-              <a:rPr lang="en-US" sz="1200" smtClean="0"/>
-              <a:t/>
-            </a:r>
-            <a:br>
-              <a:rPr lang="en-US" sz="1200" smtClean="0"/>
-            </a:br>
-            <a:r>
-              <a:rPr lang="en-US" sz="1200" smtClean="0"/>
-              <a:t>+ Avro </a:t>
-            </a:r>
-            <a:r>
-              <a:rPr lang="en-US" sz="1200" dirty="0" smtClean="0"/>
-              <a:t>Serialized</a:t>
-            </a:r>
-            <a:r>
-              <a:rPr lang="en-US" sz="1200" dirty="0"/>
-              <a:t> </a:t>
-            </a:r>
-            <a:r>
-              <a:rPr lang="en-US" sz="1200" dirty="0" smtClean="0"/>
-              <a:t>Content</a:t>
-            </a:r>
-            <a:endParaRPr lang="en-US" sz="1200" dirty="0"/>
-          </a:p>
-        </p:txBody>
-      </p:sp>
-      <p:sp>
-        <p:nvSpPr>
-          <p:cNvPr id="20" name="TextBox 19"/>
-          <p:cNvSpPr txBox="1"/>
+      </p:cxnSp>
+      <p:cxnSp>
+        <p:nvCxnSpPr>
+          <p:cNvPr id="26" name="Elbow Connector 25"/>
+          <p:cNvCxnSpPr>
+            <a:stCxn id="7" idx="1"/>
+            <a:endCxn id="18" idx="0"/>
+          </p:cNvCxnSpPr>
           <p:nvPr/>
-        </p:nvSpPr>
-        <p:spPr>
-          <a:xfrm>
-            <a:off x="439837" y="1320307"/>
-            <a:ext cx="1071704" cy="276999"/>
-          </a:xfrm>
-          <a:prstGeom prst="rect">
+        </p:nvCxnSpPr>
+        <p:spPr>
+          <a:xfrm flipH="1">
+            <a:off x="951834" y="2941361"/>
+            <a:ext cx="2404821" cy="1402914"/>
+          </a:xfrm>
+          <a:prstGeom prst="bentConnector4">
+            <a:avLst>
+              <a:gd name="adj1" fmla="val -9506"/>
+              <a:gd name="adj2" fmla="val 72895"/>
+            </a:avLst>
+          </a:prstGeom>
+          <a:ln>
+            <a:tailEnd type="arrow" w="lg" len="lg"/>
+          </a:ln>
+        </p:spPr>
+        <p:style>
+          <a:lnRef idx="1">
+            <a:schemeClr val="accent1"/>
+          </a:lnRef>
+          <a:fillRef idx="0">
+            <a:schemeClr val="accent1"/>
+          </a:fillRef>
+          <a:effectRef idx="0">
+            <a:schemeClr val="accent1"/>
+          </a:effectRef>
+          <a:fontRef idx="minor">
+            <a:schemeClr val="tx1"/>
+          </a:fontRef>
+        </p:style>
+      </p:cxnSp>
+      <p:cxnSp>
+        <p:nvCxnSpPr>
+          <p:cNvPr id="30" name="Elbow Connector 29"/>
+          <p:cNvCxnSpPr>
+            <a:stCxn id="18" idx="3"/>
+            <a:endCxn id="13" idx="3"/>
+          </p:cNvCxnSpPr>
+          <p:nvPr/>
+        </p:nvCxnSpPr>
+        <p:spPr>
+          <a:xfrm>
+            <a:off x="1342365" y="4508298"/>
+            <a:ext cx="7856716" cy="590096"/>
+          </a:xfrm>
+          <a:prstGeom prst="bentConnector3">
+            <a:avLst>
+              <a:gd name="adj1" fmla="val 50000"/>
+            </a:avLst>
+          </a:prstGeom>
+          <a:ln>
+            <a:tailEnd type="arrow" w="lg" len="lg"/>
+          </a:ln>
+        </p:spPr>
+        <p:style>
+          <a:lnRef idx="1">
+            <a:schemeClr val="accent1"/>
+          </a:lnRef>
+          <a:fillRef idx="0">
+            <a:schemeClr val="accent1"/>
+          </a:fillRef>
+          <a:effectRef idx="0">
+            <a:schemeClr val="accent1"/>
+          </a:effectRef>
+          <a:fontRef idx="minor">
+            <a:schemeClr val="tx1"/>
+          </a:fontRef>
+        </p:style>
+      </p:cxnSp>
+      <p:cxnSp>
+        <p:nvCxnSpPr>
+          <p:cNvPr id="36" name="Elbow Connector 35"/>
+          <p:cNvCxnSpPr>
+            <a:stCxn id="18" idx="2"/>
+            <a:endCxn id="16" idx="3"/>
+          </p:cNvCxnSpPr>
+          <p:nvPr/>
+        </p:nvCxnSpPr>
+        <p:spPr>
+          <a:xfrm rot="16200000" flipH="1">
+            <a:off x="4545515" y="1078639"/>
+            <a:ext cx="1096154" cy="8283517"/>
+          </a:xfrm>
+          <a:prstGeom prst="bentConnector2">
             <a:avLst/>
           </a:prstGeom>
-          <a:noFill/>
-        </p:spPr>
-        <p:txBody>
-          <a:bodyPr wrap="none" rtlCol="0">
-            <a:spAutoFit/>
-          </a:bodyPr>
-          <a:lstStyle/>
-          <a:p>
-            <a:r>
-              <a:rPr lang="en-US" sz="1200" dirty="0" smtClean="0"/>
-              <a:t>data-</a:t>
-            </a:r>
-            <a:r>
-              <a:rPr lang="en-US" sz="1200" dirty="0" err="1" smtClean="0"/>
-              <a:t>loader.sh</a:t>
-            </a:r>
-            <a:endParaRPr lang="en-US" sz="1200" dirty="0"/>
-          </a:p>
-        </p:txBody>
-      </p:sp>
+          <a:ln>
+            <a:tailEnd type="arrow" w="lg" len="lg"/>
+          </a:ln>
+        </p:spPr>
+        <p:style>
+          <a:lnRef idx="1">
+            <a:schemeClr val="accent1"/>
+          </a:lnRef>
+          <a:fillRef idx="0">
+            <a:schemeClr val="accent1"/>
+          </a:fillRef>
+          <a:effectRef idx="0">
+            <a:schemeClr val="accent1"/>
+          </a:effectRef>
+          <a:fontRef idx="minor">
+            <a:schemeClr val="tx1"/>
+          </a:fontRef>
+        </p:style>
+      </p:cxnSp>
       <p:pic>
         <p:nvPicPr>
-          <p:cNvPr id="21" name="Picture 20"/>
+          <p:cNvPr id="60" name="Picture 59"/>
           <p:cNvPicPr>
             <a:picLocks noChangeAspect="1"/>
           </p:cNvPicPr>
@@ -5999,17 +5922,314 @@
         </p:blipFill>
         <p:spPr>
           <a:xfrm>
-            <a:off x="79631" y="5854532"/>
-            <a:ext cx="10409992" cy="305933"/>
+            <a:off x="3670717" y="1237366"/>
+            <a:ext cx="999880" cy="445401"/>
           </a:xfrm>
           <a:prstGeom prst="rect">
             <a:avLst/>
           </a:prstGeom>
         </p:spPr>
       </p:pic>
+      <p:cxnSp>
+        <p:nvCxnSpPr>
+          <p:cNvPr id="62" name="Elbow Connector 61"/>
+          <p:cNvCxnSpPr>
+            <a:stCxn id="61" idx="0"/>
+            <a:endCxn id="60" idx="1"/>
+          </p:cNvCxnSpPr>
+          <p:nvPr/>
+        </p:nvCxnSpPr>
+        <p:spPr>
+          <a:xfrm rot="5400000" flipH="1" flipV="1">
+            <a:off x="2229788" y="455867"/>
+            <a:ext cx="436728" cy="2445129"/>
+          </a:xfrm>
+          <a:prstGeom prst="bentConnector2">
+            <a:avLst/>
+          </a:prstGeom>
+          <a:ln>
+            <a:solidFill>
+              <a:schemeClr val="accent2"/>
+            </a:solidFill>
+            <a:prstDash val="lgDash"/>
+            <a:tailEnd type="arrow" w="lg" len="lg"/>
+          </a:ln>
+        </p:spPr>
+        <p:style>
+          <a:lnRef idx="1">
+            <a:schemeClr val="accent1"/>
+          </a:lnRef>
+          <a:fillRef idx="0">
+            <a:schemeClr val="accent1"/>
+          </a:fillRef>
+          <a:effectRef idx="0">
+            <a:schemeClr val="accent1"/>
+          </a:effectRef>
+          <a:fontRef idx="minor">
+            <a:schemeClr val="tx1"/>
+          </a:fontRef>
+        </p:style>
+      </p:cxnSp>
+      <p:cxnSp>
+        <p:nvCxnSpPr>
+          <p:cNvPr id="65" name="Elbow Connector 64"/>
+          <p:cNvCxnSpPr>
+            <a:stCxn id="52" idx="0"/>
+            <a:endCxn id="60" idx="2"/>
+          </p:cNvCxnSpPr>
+          <p:nvPr/>
+        </p:nvCxnSpPr>
+        <p:spPr>
+          <a:xfrm rot="16200000" flipV="1">
+            <a:off x="3450632" y="2402793"/>
+            <a:ext cx="1444025" cy="3973"/>
+          </a:xfrm>
+          <a:prstGeom prst="bentConnector3">
+            <a:avLst>
+              <a:gd name="adj1" fmla="val 50000"/>
+            </a:avLst>
+          </a:prstGeom>
+          <a:ln>
+            <a:solidFill>
+              <a:schemeClr val="accent2"/>
+            </a:solidFill>
+            <a:prstDash val="lgDash"/>
+            <a:tailEnd type="arrow" w="lg" len="lg"/>
+          </a:ln>
+        </p:spPr>
+        <p:style>
+          <a:lnRef idx="1">
+            <a:schemeClr val="accent1"/>
+          </a:lnRef>
+          <a:fillRef idx="0">
+            <a:schemeClr val="accent1"/>
+          </a:fillRef>
+          <a:effectRef idx="0">
+            <a:schemeClr val="accent1"/>
+          </a:effectRef>
+          <a:fontRef idx="minor">
+            <a:schemeClr val="tx1"/>
+          </a:fontRef>
+        </p:style>
+      </p:cxnSp>
+      <p:sp>
+        <p:nvSpPr>
+          <p:cNvPr id="61" name="TextBox 60"/>
+          <p:cNvSpPr txBox="1"/>
+          <p:nvPr/>
+        </p:nvSpPr>
+        <p:spPr>
+          <a:xfrm>
+            <a:off x="561303" y="1896795"/>
+            <a:ext cx="1328569" cy="369332"/>
+          </a:xfrm>
+          <a:prstGeom prst="rect">
+            <a:avLst/>
+          </a:prstGeom>
+        </p:spPr>
+        <p:style>
+          <a:lnRef idx="2">
+            <a:schemeClr val="accent1"/>
+          </a:lnRef>
+          <a:fillRef idx="1">
+            <a:schemeClr val="lt1"/>
+          </a:fillRef>
+          <a:effectRef idx="0">
+            <a:schemeClr val="accent1"/>
+          </a:effectRef>
+          <a:fontRef idx="minor">
+            <a:schemeClr val="dk1"/>
+          </a:fontRef>
+        </p:style>
+        <p:txBody>
+          <a:bodyPr wrap="none" rtlCol="0">
+            <a:spAutoFit/>
+          </a:bodyPr>
+          <a:lstStyle/>
+          <a:p>
+            <a:r>
+              <a:rPr lang="en-US" dirty="0" smtClean="0"/>
+              <a:t>Data-loader</a:t>
+            </a:r>
+            <a:endParaRPr lang="en-US" dirty="0"/>
+          </a:p>
+        </p:txBody>
+      </p:sp>
+      <p:sp>
+        <p:nvSpPr>
+          <p:cNvPr id="47" name="Snip Single Corner Rectangle 46"/>
+          <p:cNvSpPr/>
+          <p:nvPr/>
+        </p:nvSpPr>
+        <p:spPr>
+          <a:xfrm>
+            <a:off x="438966" y="2972829"/>
+            <a:ext cx="1261641" cy="577567"/>
+          </a:xfrm>
+          <a:prstGeom prst="snip1Rect">
+            <a:avLst/>
+          </a:prstGeom>
+        </p:spPr>
+        <p:style>
+          <a:lnRef idx="2">
+            <a:schemeClr val="accent6">
+              <a:shade val="50000"/>
+            </a:schemeClr>
+          </a:lnRef>
+          <a:fillRef idx="1">
+            <a:schemeClr val="accent6"/>
+          </a:fillRef>
+          <a:effectRef idx="0">
+            <a:schemeClr val="accent6"/>
+          </a:effectRef>
+          <a:fontRef idx="minor">
+            <a:schemeClr val="lt1"/>
+          </a:fontRef>
+        </p:style>
+        <p:txBody>
+          <a:bodyPr rtlCol="0" anchor="ctr"/>
+          <a:lstStyle/>
+          <a:p>
+            <a:pPr algn="ctr"/>
+            <a:r>
+              <a:rPr lang="en-US" sz="1200" dirty="0" smtClean="0"/>
+              <a:t>Schema Header</a:t>
+            </a:r>
+            <a:r>
+              <a:rPr lang="en-US" sz="1200" smtClean="0"/>
+              <a:t/>
+            </a:r>
+            <a:br>
+              <a:rPr lang="en-US" sz="1200" smtClean="0"/>
+            </a:br>
+            <a:r>
+              <a:rPr lang="en-US" sz="1200" smtClean="0"/>
+              <a:t>+ Avro </a:t>
+            </a:r>
+            <a:r>
+              <a:rPr lang="en-US" sz="1200" dirty="0" smtClean="0"/>
+              <a:t>Serialized</a:t>
+            </a:r>
+            <a:r>
+              <a:rPr lang="en-US" sz="1200" dirty="0"/>
+              <a:t> </a:t>
+            </a:r>
+            <a:r>
+              <a:rPr lang="en-US" sz="1200" dirty="0" smtClean="0"/>
+              <a:t>Content</a:t>
+            </a:r>
+            <a:endParaRPr lang="en-US" sz="1200" dirty="0"/>
+          </a:p>
+        </p:txBody>
+      </p:sp>
+      <p:sp>
+        <p:nvSpPr>
+          <p:cNvPr id="49" name="TextBox 48"/>
+          <p:cNvSpPr txBox="1"/>
+          <p:nvPr/>
+        </p:nvSpPr>
+        <p:spPr>
+          <a:xfrm>
+            <a:off x="4237120" y="2081461"/>
+            <a:ext cx="1212383" cy="830997"/>
+          </a:xfrm>
+          <a:prstGeom prst="rect">
+            <a:avLst/>
+          </a:prstGeom>
+          <a:noFill/>
+        </p:spPr>
+        <p:txBody>
+          <a:bodyPr wrap="none" rtlCol="0">
+            <a:spAutoFit/>
+          </a:bodyPr>
+          <a:lstStyle/>
+          <a:p>
+            <a:pPr fontAlgn="base"/>
+            <a:r>
+              <a:rPr lang="en-US" sz="1200" b="1" dirty="0" smtClean="0"/>
+              <a:t>Schema Header</a:t>
+            </a:r>
+            <a:br>
+              <a:rPr lang="en-US" sz="1200" b="1" dirty="0" smtClean="0"/>
+            </a:br>
+            <a:r>
+              <a:rPr lang="en-US" sz="1200" dirty="0" err="1" smtClean="0"/>
+              <a:t>protocol.version</a:t>
+            </a:r>
+            <a:r>
+              <a:rPr lang="en-US" sz="1200" dirty="0" smtClean="0"/>
+              <a:t/>
+            </a:r>
+            <a:br>
+              <a:rPr lang="en-US" sz="1200" dirty="0" smtClean="0"/>
+            </a:br>
+            <a:r>
+              <a:rPr lang="en-US" sz="1200" dirty="0" smtClean="0"/>
+              <a:t>identifier</a:t>
+            </a:r>
+          </a:p>
+          <a:p>
+            <a:pPr fontAlgn="base"/>
+            <a:r>
+              <a:rPr lang="en-US" sz="1200" dirty="0" smtClean="0"/>
+              <a:t>version</a:t>
+            </a:r>
+            <a:endParaRPr lang="en-US" sz="1200" dirty="0"/>
+          </a:p>
+        </p:txBody>
+      </p:sp>
+      <p:sp>
+        <p:nvSpPr>
+          <p:cNvPr id="52" name="TextBox 51"/>
+          <p:cNvSpPr txBox="1"/>
+          <p:nvPr/>
+        </p:nvSpPr>
+        <p:spPr>
+          <a:xfrm>
+            <a:off x="3501977" y="3126792"/>
+            <a:ext cx="1345305" cy="646331"/>
+          </a:xfrm>
+          <a:prstGeom prst="rect">
+            <a:avLst/>
+          </a:prstGeom>
+        </p:spPr>
+        <p:style>
+          <a:lnRef idx="2">
+            <a:schemeClr val="accent1"/>
+          </a:lnRef>
+          <a:fillRef idx="1">
+            <a:schemeClr val="lt1"/>
+          </a:fillRef>
+          <a:effectRef idx="0">
+            <a:schemeClr val="accent1"/>
+          </a:effectRef>
+          <a:fontRef idx="minor">
+            <a:schemeClr val="dk1"/>
+          </a:fontRef>
+        </p:style>
+        <p:txBody>
+          <a:bodyPr wrap="none" rtlCol="0">
+            <a:spAutoFit/>
+          </a:bodyPr>
+          <a:lstStyle/>
+          <a:p>
+            <a:r>
+              <a:rPr lang="en-US" dirty="0" smtClean="0"/>
+              <a:t>Consume</a:t>
+            </a:r>
+          </a:p>
+          <a:p>
+            <a:r>
+              <a:rPr lang="en-US" dirty="0" err="1" smtClean="0"/>
+              <a:t>KafkaRecord</a:t>
+            </a:r>
+            <a:endParaRPr lang="en-US" dirty="0"/>
+          </a:p>
+        </p:txBody>
+      </p:sp>
       <p:pic>
         <p:nvPicPr>
-          <p:cNvPr id="22" name="Picture 21"/>
+          <p:cNvPr id="55" name="Picture 54"/>
           <p:cNvPicPr>
             <a:picLocks noChangeAspect="1"/>
           </p:cNvPicPr>
@@ -6023,7 +6243,7 @@
         </p:blipFill>
         <p:spPr>
           <a:xfrm>
-            <a:off x="79631" y="5505498"/>
+            <a:off x="1490497" y="4160432"/>
             <a:ext cx="7698556" cy="301576"/>
           </a:xfrm>
           <a:prstGeom prst="rect">
@@ -6033,114 +6253,33 @@
       </p:pic>
       <p:sp>
         <p:nvSpPr>
-          <p:cNvPr id="23" name="Snip Single Corner Rectangle 22"/>
-          <p:cNvSpPr/>
-          <p:nvPr/>
-        </p:nvSpPr>
-        <p:spPr>
-          <a:xfrm>
-            <a:off x="604672" y="3779198"/>
-            <a:ext cx="1261641" cy="402669"/>
-          </a:xfrm>
-          <a:prstGeom prst="snip1Rect">
-            <a:avLst/>
-          </a:prstGeom>
-        </p:spPr>
-        <p:style>
-          <a:lnRef idx="2">
-            <a:schemeClr val="accent1">
-              <a:shade val="50000"/>
-            </a:schemeClr>
-          </a:lnRef>
-          <a:fillRef idx="1">
-            <a:schemeClr val="accent1"/>
-          </a:fillRef>
-          <a:effectRef idx="0">
-            <a:schemeClr val="accent1"/>
-          </a:effectRef>
-          <a:fontRef idx="minor">
-            <a:schemeClr val="lt1"/>
-          </a:fontRef>
-        </p:style>
-        <p:txBody>
-          <a:bodyPr rtlCol="0" anchor="ctr"/>
-          <a:lstStyle/>
-          <a:p>
-            <a:pPr algn="ctr"/>
-            <a:r>
-              <a:rPr lang="en-US" sz="1200" dirty="0" smtClean="0"/>
-              <a:t>Content: CSV</a:t>
-            </a:r>
-            <a:endParaRPr lang="en-US" sz="1200" dirty="0"/>
-          </a:p>
-        </p:txBody>
-      </p:sp>
-      <p:sp>
-        <p:nvSpPr>
-          <p:cNvPr id="24" name="Internal Storage 23"/>
-          <p:cNvSpPr/>
-          <p:nvPr/>
-        </p:nvSpPr>
-        <p:spPr>
-          <a:xfrm>
-            <a:off x="604671" y="4181867"/>
-            <a:ext cx="1261641" cy="390632"/>
-          </a:xfrm>
-          <a:prstGeom prst="flowChartInternalStorage">
-            <a:avLst/>
-          </a:prstGeom>
-        </p:spPr>
-        <p:style>
-          <a:lnRef idx="2">
-            <a:schemeClr val="accent1">
-              <a:shade val="50000"/>
-            </a:schemeClr>
-          </a:lnRef>
-          <a:fillRef idx="1">
-            <a:schemeClr val="accent1"/>
-          </a:fillRef>
-          <a:effectRef idx="0">
-            <a:schemeClr val="accent1"/>
-          </a:effectRef>
-          <a:fontRef idx="minor">
-            <a:schemeClr val="lt1"/>
-          </a:fontRef>
-        </p:style>
-        <p:txBody>
-          <a:bodyPr rtlCol="0" anchor="ctr"/>
-          <a:lstStyle/>
-          <a:p>
-            <a:pPr algn="ctr"/>
-            <a:r>
-              <a:rPr lang="en-US" sz="1100" dirty="0" smtClean="0"/>
-              <a:t>Attributes:</a:t>
-            </a:r>
-          </a:p>
-          <a:p>
-            <a:pPr algn="ctr"/>
-            <a:r>
-              <a:rPr lang="en-US" sz="1100" dirty="0" smtClean="0"/>
-              <a:t>Schema Header</a:t>
-            </a:r>
-          </a:p>
-        </p:txBody>
-      </p:sp>
-      <p:sp>
-        <p:nvSpPr>
-          <p:cNvPr id="25" name="TextBox 24"/>
+          <p:cNvPr id="19" name="TextBox 18"/>
           <p:cNvSpPr txBox="1"/>
           <p:nvPr/>
         </p:nvSpPr>
         <p:spPr>
           <a:xfrm>
-            <a:off x="604671" y="3554307"/>
-            <a:ext cx="700385" cy="276999"/>
+            <a:off x="5638930" y="3423138"/>
+            <a:ext cx="1267848" cy="646331"/>
           </a:xfrm>
           <a:prstGeom prst="rect">
             <a:avLst/>
           </a:prstGeom>
-          <a:noFill/>
-        </p:spPr>
+        </p:spPr>
+        <p:style>
+          <a:lnRef idx="2">
+            <a:schemeClr val="accent1"/>
+          </a:lnRef>
+          <a:fillRef idx="1">
+            <a:schemeClr val="lt1"/>
+          </a:fillRef>
+          <a:effectRef idx="0">
+            <a:schemeClr val="accent1"/>
+          </a:effectRef>
+          <a:fontRef idx="minor">
+            <a:schemeClr val="dk1"/>
+          </a:fontRef>
+        </p:style>
         <p:txBody>
           <a:bodyPr wrap="none" rtlCol="0">
             <a:spAutoFit/>
@@ -6148,16 +6287,27 @@
           <a:lstStyle/>
           <a:p>
             <a:r>
-              <a:rPr lang="en-US" sz="1200" dirty="0" err="1" smtClean="0"/>
-              <a:t>FlowFile</a:t>
-            </a:r>
-            <a:endParaRPr lang="en-US" sz="1200" dirty="0"/>
+              <a:rPr lang="en-US" dirty="0" err="1" smtClean="0"/>
+              <a:t>GeoCode</a:t>
+            </a:r>
+            <a:r>
+              <a:rPr lang="en-US" dirty="0" smtClean="0"/>
+              <a:t/>
+            </a:r>
+            <a:br>
+              <a:rPr lang="en-US" dirty="0" smtClean="0"/>
+            </a:br>
+            <a:r>
+              <a:rPr lang="en-US" dirty="0" smtClean="0"/>
+              <a:t>Enrichment</a:t>
+            </a:r>
+            <a:endParaRPr lang="en-US" dirty="0"/>
           </a:p>
         </p:txBody>
       </p:sp>
       <p:pic>
         <p:nvPicPr>
-          <p:cNvPr id="26" name="Picture 25"/>
+          <p:cNvPr id="56" name="Picture 55"/>
           <p:cNvPicPr>
             <a:picLocks noChangeAspect="1"/>
           </p:cNvPicPr>
@@ -6171,17 +6321,190 @@
         </p:blipFill>
         <p:spPr>
           <a:xfrm>
-            <a:off x="9168701" y="2783925"/>
-            <a:ext cx="381000" cy="368300"/>
+            <a:off x="1490497" y="4549802"/>
+            <a:ext cx="10409992" cy="305933"/>
           </a:xfrm>
           <a:prstGeom prst="rect">
             <a:avLst/>
           </a:prstGeom>
         </p:spPr>
       </p:pic>
+      <p:sp>
+        <p:nvSpPr>
+          <p:cNvPr id="63" name="Snip Single Corner Rectangle 62"/>
+          <p:cNvSpPr/>
+          <p:nvPr/>
+        </p:nvSpPr>
+        <p:spPr>
+          <a:xfrm>
+            <a:off x="2617425" y="5037719"/>
+            <a:ext cx="1261641" cy="402669"/>
+          </a:xfrm>
+          <a:prstGeom prst="snip1Rect">
+            <a:avLst/>
+          </a:prstGeom>
+        </p:spPr>
+        <p:style>
+          <a:lnRef idx="2">
+            <a:schemeClr val="accent6">
+              <a:shade val="50000"/>
+            </a:schemeClr>
+          </a:lnRef>
+          <a:fillRef idx="1">
+            <a:schemeClr val="accent6"/>
+          </a:fillRef>
+          <a:effectRef idx="0">
+            <a:schemeClr val="accent6"/>
+          </a:effectRef>
+          <a:fontRef idx="minor">
+            <a:schemeClr val="lt1"/>
+          </a:fontRef>
+        </p:style>
+        <p:txBody>
+          <a:bodyPr rtlCol="0" anchor="ctr"/>
+          <a:lstStyle/>
+          <a:p>
+            <a:pPr algn="ctr"/>
+            <a:r>
+              <a:rPr lang="en-US" sz="1200" dirty="0" smtClean="0"/>
+              <a:t>Content: CSV</a:t>
+            </a:r>
+            <a:endParaRPr lang="en-US" sz="1200" dirty="0"/>
+          </a:p>
+        </p:txBody>
+      </p:sp>
+      <p:sp>
+        <p:nvSpPr>
+          <p:cNvPr id="64" name="Internal Storage 63"/>
+          <p:cNvSpPr/>
+          <p:nvPr/>
+        </p:nvSpPr>
+        <p:spPr>
+          <a:xfrm>
+            <a:off x="2617424" y="5440388"/>
+            <a:ext cx="1261641" cy="390632"/>
+          </a:xfrm>
+          <a:prstGeom prst="flowChartInternalStorage">
+            <a:avLst/>
+          </a:prstGeom>
+        </p:spPr>
+        <p:style>
+          <a:lnRef idx="2">
+            <a:schemeClr val="accent6">
+              <a:shade val="50000"/>
+            </a:schemeClr>
+          </a:lnRef>
+          <a:fillRef idx="1">
+            <a:schemeClr val="accent6"/>
+          </a:fillRef>
+          <a:effectRef idx="0">
+            <a:schemeClr val="accent6"/>
+          </a:effectRef>
+          <a:fontRef idx="minor">
+            <a:schemeClr val="lt1"/>
+          </a:fontRef>
+        </p:style>
+        <p:txBody>
+          <a:bodyPr rtlCol="0" anchor="ctr"/>
+          <a:lstStyle/>
+          <a:p>
+            <a:pPr algn="ctr"/>
+            <a:r>
+              <a:rPr lang="en-US" sz="1100" dirty="0" smtClean="0"/>
+              <a:t>Attributes:</a:t>
+            </a:r>
+          </a:p>
+          <a:p>
+            <a:pPr algn="ctr"/>
+            <a:r>
+              <a:rPr lang="en-US" sz="1100" dirty="0" smtClean="0"/>
+              <a:t>Schema Header</a:t>
+            </a:r>
+          </a:p>
+        </p:txBody>
+      </p:sp>
+      <p:sp>
+        <p:nvSpPr>
+          <p:cNvPr id="66" name="TextBox 65"/>
+          <p:cNvSpPr txBox="1"/>
+          <p:nvPr/>
+        </p:nvSpPr>
+        <p:spPr>
+          <a:xfrm>
+            <a:off x="2656270" y="5879669"/>
+            <a:ext cx="700385" cy="276999"/>
+          </a:xfrm>
+          <a:prstGeom prst="rect">
+            <a:avLst/>
+          </a:prstGeom>
+          <a:noFill/>
+        </p:spPr>
+        <p:txBody>
+          <a:bodyPr wrap="none" rtlCol="0">
+            <a:spAutoFit/>
+          </a:bodyPr>
+          <a:lstStyle/>
+          <a:p>
+            <a:r>
+              <a:rPr lang="en-US" sz="1200" dirty="0" err="1" smtClean="0"/>
+              <a:t>FlowFile</a:t>
+            </a:r>
+            <a:endParaRPr lang="en-US" sz="1200" dirty="0"/>
+          </a:p>
+        </p:txBody>
+      </p:sp>
+      <p:sp>
+        <p:nvSpPr>
+          <p:cNvPr id="68" name="TextBox 67"/>
+          <p:cNvSpPr txBox="1"/>
+          <p:nvPr/>
+        </p:nvSpPr>
+        <p:spPr>
+          <a:xfrm>
+            <a:off x="7248827" y="5119962"/>
+            <a:ext cx="1345305" cy="646331"/>
+          </a:xfrm>
+          <a:prstGeom prst="rect">
+            <a:avLst/>
+          </a:prstGeom>
+        </p:spPr>
+        <p:style>
+          <a:lnRef idx="2">
+            <a:schemeClr val="accent1"/>
+          </a:lnRef>
+          <a:fillRef idx="1">
+            <a:schemeClr val="lt1"/>
+          </a:fillRef>
+          <a:effectRef idx="0">
+            <a:schemeClr val="accent1"/>
+          </a:effectRef>
+          <a:fontRef idx="minor">
+            <a:schemeClr val="dk1"/>
+          </a:fontRef>
+        </p:style>
+        <p:txBody>
+          <a:bodyPr wrap="none" rtlCol="0">
+            <a:spAutoFit/>
+          </a:bodyPr>
+          <a:lstStyle/>
+          <a:p>
+            <a:r>
+              <a:rPr lang="en-US" dirty="0" smtClean="0"/>
+              <a:t>Publish</a:t>
+            </a:r>
+          </a:p>
+          <a:p>
+            <a:r>
+              <a:rPr lang="en-US" dirty="0" err="1" smtClean="0"/>
+              <a:t>KafkaRecord</a:t>
+            </a:r>
+            <a:endParaRPr lang="en-US" dirty="0"/>
+          </a:p>
+        </p:txBody>
+      </p:sp>
       <p:pic>
         <p:nvPicPr>
-          <p:cNvPr id="28" name="Picture 27"/>
+          <p:cNvPr id="29" name="Picture 28"/>
           <p:cNvPicPr>
             <a:picLocks noChangeAspect="1"/>
           </p:cNvPicPr>
@@ -6195,198 +6518,115 @@
         </p:blipFill>
         <p:spPr>
           <a:xfrm>
-            <a:off x="9575223" y="3923817"/>
-            <a:ext cx="544889" cy="544889"/>
+            <a:off x="5615436" y="961897"/>
+            <a:ext cx="4348789" cy="2137878"/>
           </a:xfrm>
           <a:prstGeom prst="rect">
             <a:avLst/>
           </a:prstGeom>
+          <a:ln>
+            <a:noFill/>
+          </a:ln>
+          <a:effectLst>
+            <a:outerShdw blurRad="292100" dist="139700" dir="2700000" algn="tl" rotWithShape="0">
+              <a:srgbClr val="333333">
+                <a:alpha val="65000"/>
+              </a:srgbClr>
+            </a:outerShdw>
+          </a:effectLst>
         </p:spPr>
       </p:pic>
-      <p:pic>
-        <p:nvPicPr>
-          <p:cNvPr id="31" name="Picture 30"/>
-          <p:cNvPicPr>
-            <a:picLocks noChangeAspect="1"/>
-          </p:cNvPicPr>
+      <p:sp>
+        <p:nvSpPr>
+          <p:cNvPr id="33" name="Rectangle 32"/>
+          <p:cNvSpPr/>
           <p:nvPr/>
-        </p:nvPicPr>
-        <p:blipFill>
-          <a:blip r:embed="rId8"/>
-          <a:stretch>
-            <a:fillRect/>
-          </a:stretch>
-        </p:blipFill>
-        <p:spPr>
-          <a:xfrm>
-            <a:off x="5746837" y="1045333"/>
-            <a:ext cx="781062" cy="328046"/>
-          </a:xfrm>
-          <a:prstGeom prst="rect">
-            <a:avLst/>
-          </a:prstGeom>
-        </p:spPr>
-      </p:pic>
-      <p:pic>
-        <p:nvPicPr>
-          <p:cNvPr id="33" name="Picture 32"/>
-          <p:cNvPicPr>
-            <a:picLocks noChangeAspect="1"/>
-          </p:cNvPicPr>
-          <p:nvPr/>
-        </p:nvPicPr>
-        <p:blipFill>
-          <a:blip r:embed="rId9"/>
-          <a:stretch>
-            <a:fillRect/>
-          </a:stretch>
-        </p:blipFill>
-        <p:spPr>
-          <a:xfrm>
-            <a:off x="8096887" y="1019406"/>
-            <a:ext cx="999880" cy="445401"/>
-          </a:xfrm>
-          <a:prstGeom prst="rect">
-            <a:avLst/>
-          </a:prstGeom>
-        </p:spPr>
-      </p:pic>
-      <p:sp>
-        <p:nvSpPr>
-          <p:cNvPr id="34" name="TextBox 33"/>
-          <p:cNvSpPr txBox="1"/>
-          <p:nvPr/>
-        </p:nvSpPr>
-        <p:spPr>
-          <a:xfrm>
-            <a:off x="9575223" y="4527097"/>
-            <a:ext cx="619080" cy="369332"/>
+        </p:nvSpPr>
+        <p:spPr>
+          <a:xfrm>
+            <a:off x="8356922" y="4462008"/>
+            <a:ext cx="3634450" cy="425166"/>
           </a:xfrm>
           <a:prstGeom prst="rect">
             <a:avLst/>
           </a:prstGeom>
           <a:noFill/>
-        </p:spPr>
-        <p:txBody>
-          <a:bodyPr wrap="none" rtlCol="0">
-            <a:spAutoFit/>
-          </a:bodyPr>
-          <a:lstStyle/>
-          <a:p>
-            <a:r>
-              <a:rPr lang="en-US" smtClean="0"/>
-              <a:t>SAM</a:t>
-            </a:r>
+          <a:ln w="19050">
+            <a:solidFill>
+              <a:schemeClr val="accent2"/>
+            </a:solidFill>
+          </a:ln>
+        </p:spPr>
+        <p:style>
+          <a:lnRef idx="2">
+            <a:schemeClr val="accent1">
+              <a:shade val="50000"/>
+            </a:schemeClr>
+          </a:lnRef>
+          <a:fillRef idx="1">
+            <a:schemeClr val="accent1"/>
+          </a:fillRef>
+          <a:effectRef idx="0">
+            <a:schemeClr val="accent1"/>
+          </a:effectRef>
+          <a:fontRef idx="minor">
+            <a:schemeClr val="lt1"/>
+          </a:fontRef>
+        </p:style>
+        <p:txBody>
+          <a:bodyPr rtlCol="0" anchor="ctr"/>
+          <a:lstStyle/>
+          <a:p>
+            <a:pPr algn="ctr"/>
             <a:endParaRPr lang="en-US"/>
           </a:p>
         </p:txBody>
       </p:sp>
-      <p:sp>
-        <p:nvSpPr>
-          <p:cNvPr id="35" name="TextBox 34"/>
-          <p:cNvSpPr txBox="1"/>
+      <p:cxnSp>
+        <p:nvCxnSpPr>
+          <p:cNvPr id="70" name="Elbow Connector 69"/>
+          <p:cNvCxnSpPr>
+            <a:stCxn id="60" idx="3"/>
+          </p:cNvCxnSpPr>
           <p:nvPr/>
-        </p:nvSpPr>
-        <p:spPr>
-          <a:xfrm>
-            <a:off x="9569857" y="2806612"/>
-            <a:ext cx="751681" cy="369332"/>
-          </a:xfrm>
-          <a:prstGeom prst="rect">
-            <a:avLst/>
+        </p:nvCxnSpPr>
+        <p:spPr>
+          <a:xfrm flipV="1">
+            <a:off x="4670597" y="1460066"/>
+            <a:ext cx="944839" cy="1"/>
+          </a:xfrm>
+          <a:prstGeom prst="bentConnector3">
+            <a:avLst>
+              <a:gd name="adj1" fmla="val 50000"/>
+            </a:avLst>
           </a:prstGeom>
-          <a:noFill/>
-        </p:spPr>
-        <p:txBody>
-          <a:bodyPr wrap="none" rtlCol="0">
-            <a:spAutoFit/>
-          </a:bodyPr>
-          <a:lstStyle/>
-          <a:p>
-            <a:r>
-              <a:rPr lang="en-US" smtClean="0"/>
-              <a:t>Storm</a:t>
-            </a:r>
-            <a:endParaRPr lang="en-US"/>
-          </a:p>
-        </p:txBody>
-      </p:sp>
-      <p:pic>
-        <p:nvPicPr>
-          <p:cNvPr id="36" name="Picture 35"/>
-          <p:cNvPicPr>
-            <a:picLocks noChangeAspect="1"/>
-          </p:cNvPicPr>
-          <p:nvPr/>
-        </p:nvPicPr>
-        <p:blipFill>
-          <a:blip r:embed="rId10"/>
-          <a:stretch>
-            <a:fillRect/>
-          </a:stretch>
-        </p:blipFill>
-        <p:spPr>
-          <a:xfrm>
-            <a:off x="10787484" y="2000307"/>
-            <a:ext cx="469900" cy="635000"/>
-          </a:xfrm>
-          <a:prstGeom prst="rect">
-            <a:avLst/>
-          </a:prstGeom>
-        </p:spPr>
-      </p:pic>
-      <p:pic>
-        <p:nvPicPr>
-          <p:cNvPr id="38" name="Picture 37"/>
-          <p:cNvPicPr>
-            <a:picLocks noChangeAspect="1"/>
-          </p:cNvPicPr>
-          <p:nvPr/>
-        </p:nvPicPr>
-        <p:blipFill>
-          <a:blip r:embed="rId11"/>
-          <a:stretch>
-            <a:fillRect/>
-          </a:stretch>
-        </p:blipFill>
-        <p:spPr>
-          <a:xfrm>
-            <a:off x="10489623" y="3720182"/>
-            <a:ext cx="1574800" cy="520700"/>
-          </a:xfrm>
-          <a:prstGeom prst="rect">
-            <a:avLst/>
-          </a:prstGeom>
-        </p:spPr>
-      </p:pic>
-      <p:pic>
-        <p:nvPicPr>
-          <p:cNvPr id="39" name="Picture 38"/>
-          <p:cNvPicPr>
-            <a:picLocks noChangeAspect="1"/>
-          </p:cNvPicPr>
-          <p:nvPr/>
-        </p:nvPicPr>
-        <p:blipFill>
-          <a:blip r:embed="rId12"/>
-          <a:stretch>
-            <a:fillRect/>
-          </a:stretch>
-        </p:blipFill>
-        <p:spPr>
-          <a:xfrm>
-            <a:off x="10787484" y="4829227"/>
-            <a:ext cx="1404516" cy="419194"/>
-          </a:xfrm>
-          <a:prstGeom prst="rect">
-            <a:avLst/>
-          </a:prstGeom>
-        </p:spPr>
-      </p:pic>
+          <a:ln>
+            <a:solidFill>
+              <a:schemeClr val="accent2"/>
+            </a:solidFill>
+            <a:prstDash val="lgDash"/>
+            <a:tailEnd type="arrow" w="lg" len="lg"/>
+          </a:ln>
+        </p:spPr>
+        <p:style>
+          <a:lnRef idx="1">
+            <a:schemeClr val="accent1"/>
+          </a:lnRef>
+          <a:fillRef idx="0">
+            <a:schemeClr val="accent1"/>
+          </a:fillRef>
+          <a:effectRef idx="0">
+            <a:schemeClr val="accent1"/>
+          </a:effectRef>
+          <a:fontRef idx="minor">
+            <a:schemeClr val="tx1"/>
+          </a:fontRef>
+        </p:style>
+      </p:cxnSp>
     </p:spTree>
     <p:extLst>
       <p:ext uri="{BB962C8B-B14F-4D97-AF65-F5344CB8AC3E}">
-        <p14:creationId xmlns:p14="http://schemas.microsoft.com/office/powerpoint/2010/main" val="1732842895"/>
+        <p14:creationId xmlns:p14="http://schemas.microsoft.com/office/powerpoint/2010/main" val="65223077"/>
       </p:ext>
     </p:extLst>
   </p:cSld>
@@ -6400,437 +6640,6 @@
       </p:par>
     </p:tnLst>
   </p:timing>
-</p:sld>
-</file>
-
-<file path=ppt/slides/slide4.xml><?xml version="1.0" encoding="utf-8"?>
-<p:sld xmlns:a="http://schemas.openxmlformats.org/drawingml/2006/main" xmlns:r="http://schemas.openxmlformats.org/officeDocument/2006/relationships" xmlns:p="http://schemas.openxmlformats.org/presentationml/2006/main">
-  <p:cSld>
-    <p:spTree>
-      <p:nvGrpSpPr>
-        <p:cNvPr id="1" name=""/>
-        <p:cNvGrpSpPr/>
-        <p:nvPr/>
-      </p:nvGrpSpPr>
-      <p:grpSpPr>
-        <a:xfrm>
-          <a:off x="0" y="0"/>
-          <a:ext cx="0" cy="0"/>
-          <a:chOff x="0" y="0"/>
-          <a:chExt cx="0" cy="0"/>
-        </a:xfrm>
-      </p:grpSpPr>
-      <p:sp>
-        <p:nvSpPr>
-          <p:cNvPr id="4" name="Can 3"/>
-          <p:cNvSpPr/>
-          <p:nvPr/>
-        </p:nvSpPr>
-        <p:spPr>
-          <a:xfrm rot="5400000">
-            <a:off x="2558005" y="2071868"/>
-            <a:ext cx="451413" cy="752355"/>
-          </a:xfrm>
-          <a:prstGeom prst="can">
-            <a:avLst/>
-          </a:prstGeom>
-        </p:spPr>
-        <p:style>
-          <a:lnRef idx="2">
-            <a:schemeClr val="accent1">
-              <a:shade val="50000"/>
-            </a:schemeClr>
-          </a:lnRef>
-          <a:fillRef idx="1">
-            <a:schemeClr val="accent1"/>
-          </a:fillRef>
-          <a:effectRef idx="0">
-            <a:schemeClr val="accent1"/>
-          </a:effectRef>
-          <a:fontRef idx="minor">
-            <a:schemeClr val="lt1"/>
-          </a:fontRef>
-        </p:style>
-        <p:txBody>
-          <a:bodyPr rtlCol="0" anchor="ctr"/>
-          <a:lstStyle/>
-          <a:p>
-            <a:pPr algn="ctr"/>
-            <a:endParaRPr lang="en-US"/>
-          </a:p>
-        </p:txBody>
-      </p:sp>
-      <p:sp>
-        <p:nvSpPr>
-          <p:cNvPr id="5" name="TextBox 4"/>
-          <p:cNvSpPr txBox="1"/>
-          <p:nvPr/>
-        </p:nvSpPr>
-        <p:spPr>
-          <a:xfrm>
-            <a:off x="2407534" y="2673752"/>
-            <a:ext cx="1022716" cy="461665"/>
-          </a:xfrm>
-          <a:prstGeom prst="rect">
-            <a:avLst/>
-          </a:prstGeom>
-          <a:noFill/>
-        </p:spPr>
-        <p:txBody>
-          <a:bodyPr wrap="none" rtlCol="0">
-            <a:spAutoFit/>
-          </a:bodyPr>
-          <a:lstStyle/>
-          <a:p>
-            <a:r>
-              <a:rPr lang="en-US" sz="1200" dirty="0" smtClean="0"/>
-              <a:t>raw-truck</a:t>
-            </a:r>
-          </a:p>
-          <a:p>
-            <a:r>
-              <a:rPr lang="en-US" sz="1200" dirty="0" smtClean="0"/>
-              <a:t>_</a:t>
-            </a:r>
-            <a:r>
-              <a:rPr lang="en-US" sz="1200" dirty="0" err="1" smtClean="0"/>
-              <a:t>events_avro</a:t>
-            </a:r>
-            <a:endParaRPr lang="en-US" sz="1200" dirty="0"/>
-          </a:p>
-        </p:txBody>
-      </p:sp>
-      <p:sp>
-        <p:nvSpPr>
-          <p:cNvPr id="6" name="Can 5"/>
-          <p:cNvSpPr/>
-          <p:nvPr/>
-        </p:nvSpPr>
-        <p:spPr>
-          <a:xfrm rot="5400000">
-            <a:off x="2558005" y="3118318"/>
-            <a:ext cx="451413" cy="752355"/>
-          </a:xfrm>
-          <a:prstGeom prst="can">
-            <a:avLst/>
-          </a:prstGeom>
-        </p:spPr>
-        <p:style>
-          <a:lnRef idx="2">
-            <a:schemeClr val="accent1">
-              <a:shade val="50000"/>
-            </a:schemeClr>
-          </a:lnRef>
-          <a:fillRef idx="1">
-            <a:schemeClr val="accent1"/>
-          </a:fillRef>
-          <a:effectRef idx="0">
-            <a:schemeClr val="accent1"/>
-          </a:effectRef>
-          <a:fontRef idx="minor">
-            <a:schemeClr val="lt1"/>
-          </a:fontRef>
-        </p:style>
-        <p:txBody>
-          <a:bodyPr rtlCol="0" anchor="ctr"/>
-          <a:lstStyle/>
-          <a:p>
-            <a:pPr algn="ctr"/>
-            <a:endParaRPr lang="en-US"/>
-          </a:p>
-        </p:txBody>
-      </p:sp>
-      <p:sp>
-        <p:nvSpPr>
-          <p:cNvPr id="7" name="TextBox 6"/>
-          <p:cNvSpPr txBox="1"/>
-          <p:nvPr/>
-        </p:nvSpPr>
-        <p:spPr>
-          <a:xfrm>
-            <a:off x="2407534" y="3720202"/>
-            <a:ext cx="1474763" cy="461665"/>
-          </a:xfrm>
-          <a:prstGeom prst="rect">
-            <a:avLst/>
-          </a:prstGeom>
-          <a:noFill/>
-        </p:spPr>
-        <p:txBody>
-          <a:bodyPr wrap="none" rtlCol="0">
-            <a:spAutoFit/>
-          </a:bodyPr>
-          <a:lstStyle/>
-          <a:p>
-            <a:r>
-              <a:rPr lang="en-US" sz="1200" dirty="0" smtClean="0"/>
-              <a:t>raw-truck</a:t>
-            </a:r>
-          </a:p>
-          <a:p>
-            <a:r>
-              <a:rPr lang="en-US" sz="1200" dirty="0" smtClean="0"/>
-              <a:t>_</a:t>
-            </a:r>
-            <a:r>
-              <a:rPr lang="en-US" sz="1200" dirty="0" err="1" smtClean="0"/>
-              <a:t>speed_events_avro</a:t>
-            </a:r>
-            <a:endParaRPr lang="en-US" sz="1200" dirty="0"/>
-          </a:p>
-        </p:txBody>
-      </p:sp>
-      <p:sp>
-        <p:nvSpPr>
-          <p:cNvPr id="8" name="Can 7"/>
-          <p:cNvSpPr/>
-          <p:nvPr/>
-        </p:nvSpPr>
-        <p:spPr>
-          <a:xfrm rot="5400000">
-            <a:off x="5654444" y="2082120"/>
-            <a:ext cx="451413" cy="752355"/>
-          </a:xfrm>
-          <a:prstGeom prst="can">
-            <a:avLst/>
-          </a:prstGeom>
-        </p:spPr>
-        <p:style>
-          <a:lnRef idx="2">
-            <a:schemeClr val="accent1">
-              <a:shade val="50000"/>
-            </a:schemeClr>
-          </a:lnRef>
-          <a:fillRef idx="1">
-            <a:schemeClr val="accent1"/>
-          </a:fillRef>
-          <a:effectRef idx="0">
-            <a:schemeClr val="accent1"/>
-          </a:effectRef>
-          <a:fontRef idx="minor">
-            <a:schemeClr val="lt1"/>
-          </a:fontRef>
-        </p:style>
-        <p:txBody>
-          <a:bodyPr rtlCol="0" anchor="ctr"/>
-          <a:lstStyle/>
-          <a:p>
-            <a:pPr algn="ctr"/>
-            <a:endParaRPr lang="en-US"/>
-          </a:p>
-        </p:txBody>
-      </p:sp>
-      <p:sp>
-        <p:nvSpPr>
-          <p:cNvPr id="9" name="TextBox 8"/>
-          <p:cNvSpPr txBox="1"/>
-          <p:nvPr/>
-        </p:nvSpPr>
-        <p:spPr>
-          <a:xfrm>
-            <a:off x="5503973" y="2684004"/>
-            <a:ext cx="1343316" cy="276999"/>
-          </a:xfrm>
-          <a:prstGeom prst="rect">
-            <a:avLst/>
-          </a:prstGeom>
-          <a:noFill/>
-        </p:spPr>
-        <p:txBody>
-          <a:bodyPr wrap="none" rtlCol="0">
-            <a:spAutoFit/>
-          </a:bodyPr>
-          <a:lstStyle/>
-          <a:p>
-            <a:r>
-              <a:rPr lang="en-US" sz="1200" dirty="0" err="1" smtClean="0"/>
-              <a:t>truck_events_avro</a:t>
-            </a:r>
-            <a:endParaRPr lang="en-US" sz="1200" dirty="0"/>
-          </a:p>
-        </p:txBody>
-      </p:sp>
-      <p:sp>
-        <p:nvSpPr>
-          <p:cNvPr id="10" name="Can 9"/>
-          <p:cNvSpPr/>
-          <p:nvPr/>
-        </p:nvSpPr>
-        <p:spPr>
-          <a:xfrm rot="5400000">
-            <a:off x="5654444" y="3118318"/>
-            <a:ext cx="451413" cy="752355"/>
-          </a:xfrm>
-          <a:prstGeom prst="can">
-            <a:avLst/>
-          </a:prstGeom>
-        </p:spPr>
-        <p:style>
-          <a:lnRef idx="2">
-            <a:schemeClr val="accent1">
-              <a:shade val="50000"/>
-            </a:schemeClr>
-          </a:lnRef>
-          <a:fillRef idx="1">
-            <a:schemeClr val="accent1"/>
-          </a:fillRef>
-          <a:effectRef idx="0">
-            <a:schemeClr val="accent1"/>
-          </a:effectRef>
-          <a:fontRef idx="minor">
-            <a:schemeClr val="lt1"/>
-          </a:fontRef>
-        </p:style>
-        <p:txBody>
-          <a:bodyPr rtlCol="0" anchor="ctr"/>
-          <a:lstStyle/>
-          <a:p>
-            <a:pPr algn="ctr"/>
-            <a:endParaRPr lang="en-US"/>
-          </a:p>
-        </p:txBody>
-      </p:sp>
-      <p:sp>
-        <p:nvSpPr>
-          <p:cNvPr id="11" name="TextBox 10"/>
-          <p:cNvSpPr txBox="1"/>
-          <p:nvPr/>
-        </p:nvSpPr>
-        <p:spPr>
-          <a:xfrm>
-            <a:off x="5503973" y="3720202"/>
-            <a:ext cx="1795363" cy="276999"/>
-          </a:xfrm>
-          <a:prstGeom prst="rect">
-            <a:avLst/>
-          </a:prstGeom>
-          <a:noFill/>
-        </p:spPr>
-        <p:txBody>
-          <a:bodyPr wrap="none" rtlCol="0">
-            <a:spAutoFit/>
-          </a:bodyPr>
-          <a:lstStyle/>
-          <a:p>
-            <a:r>
-              <a:rPr lang="en-US" sz="1200" dirty="0" err="1" smtClean="0"/>
-              <a:t>truck_speed_events_avro</a:t>
-            </a:r>
-            <a:endParaRPr lang="en-US" sz="1200" dirty="0"/>
-          </a:p>
-        </p:txBody>
-      </p:sp>
-      <p:sp>
-        <p:nvSpPr>
-          <p:cNvPr id="12" name="TextBox 11"/>
-          <p:cNvSpPr txBox="1"/>
-          <p:nvPr/>
-        </p:nvSpPr>
-        <p:spPr>
-          <a:xfrm>
-            <a:off x="4008405" y="2212087"/>
-            <a:ext cx="904607" cy="461665"/>
-          </a:xfrm>
-          <a:prstGeom prst="rect">
-            <a:avLst/>
-          </a:prstGeom>
-          <a:noFill/>
-        </p:spPr>
-        <p:txBody>
-          <a:bodyPr wrap="none" rtlCol="0">
-            <a:spAutoFit/>
-          </a:bodyPr>
-          <a:lstStyle/>
-          <a:p>
-            <a:r>
-              <a:rPr lang="en-US" sz="1200" dirty="0" err="1" smtClean="0"/>
-              <a:t>GeoCode</a:t>
-            </a:r>
-            <a:endParaRPr lang="en-US" sz="1200" dirty="0" smtClean="0"/>
-          </a:p>
-          <a:p>
-            <a:r>
-              <a:rPr lang="en-US" sz="1200" dirty="0" smtClean="0"/>
-              <a:t>Enrichment</a:t>
-            </a:r>
-            <a:endParaRPr lang="en-US" sz="1200" dirty="0"/>
-          </a:p>
-        </p:txBody>
-      </p:sp>
-      <p:sp>
-        <p:nvSpPr>
-          <p:cNvPr id="13" name="Can 12"/>
-          <p:cNvSpPr/>
-          <p:nvPr/>
-        </p:nvSpPr>
-        <p:spPr>
-          <a:xfrm>
-            <a:off x="8322197" y="1597306"/>
-            <a:ext cx="694481" cy="428264"/>
-          </a:xfrm>
-          <a:prstGeom prst="can">
-            <a:avLst/>
-          </a:prstGeom>
-        </p:spPr>
-        <p:style>
-          <a:lnRef idx="2">
-            <a:schemeClr val="accent1">
-              <a:shade val="50000"/>
-            </a:schemeClr>
-          </a:lnRef>
-          <a:fillRef idx="1">
-            <a:schemeClr val="accent1"/>
-          </a:fillRef>
-          <a:effectRef idx="0">
-            <a:schemeClr val="accent1"/>
-          </a:effectRef>
-          <a:fontRef idx="minor">
-            <a:schemeClr val="lt1"/>
-          </a:fontRef>
-        </p:style>
-        <p:txBody>
-          <a:bodyPr rtlCol="0" anchor="ctr"/>
-          <a:lstStyle/>
-          <a:p>
-            <a:pPr algn="ctr"/>
-            <a:endParaRPr lang="en-US"/>
-          </a:p>
-        </p:txBody>
-      </p:sp>
-      <p:pic>
-        <p:nvPicPr>
-          <p:cNvPr id="14" name="Picture 13"/>
-          <p:cNvPicPr>
-            <a:picLocks noChangeAspect="1"/>
-          </p:cNvPicPr>
-          <p:nvPr/>
-        </p:nvPicPr>
-        <p:blipFill>
-          <a:blip r:embed="rId2"/>
-          <a:stretch>
-            <a:fillRect/>
-          </a:stretch>
-        </p:blipFill>
-        <p:spPr>
-          <a:xfrm>
-            <a:off x="8170173" y="1120881"/>
-            <a:ext cx="998528" cy="400924"/>
-          </a:xfrm>
-          <a:prstGeom prst="rect">
-            <a:avLst/>
-          </a:prstGeom>
-        </p:spPr>
-      </p:pic>
-    </p:spTree>
-    <p:extLst>
-      <p:ext uri="{BB962C8B-B14F-4D97-AF65-F5344CB8AC3E}">
-        <p14:creationId xmlns:p14="http://schemas.microsoft.com/office/powerpoint/2010/main" val="443141331"/>
-      </p:ext>
-    </p:extLst>
-  </p:cSld>
-  <p:clrMapOvr>
-    <a:masterClrMapping/>
-  </p:clrMapOvr>
 </p:sld>
 </file>
 
